--- a/lectures/02 - Программирование графики с использованием GDI и GDI+.pptx
+++ b/lectures/02 - Программирование графики с использованием GDI и GDI+.pptx
@@ -28952,26 +28952,62 @@
           <a:chExt cx="0" cy="0"/>
         </a:xfrm>
       </p:grpSpPr>
-      <p:sp>
-        <p:nvSpPr>
-          <p:cNvPr id="2050" name="Rectangle 2">
-            <a:extLst>
-              <a:ext uri="{FF2B5EF4-FFF2-40B4-BE49-F238E27FC236}">
-                <a16:creationId xmlns:a16="http://schemas.microsoft.com/office/drawing/2014/main" id="{1E293DF1-30F8-6F4B-1FEF-995B183B480F}"/>
-              </a:ext>
-            </a:extLst>
-          </p:cNvPr>
-          <p:cNvSpPr>
-            <a:spLocks noGrp="1" noChangeArrowheads="1"/>
-          </p:cNvSpPr>
-          <p:nvPr>
-            <p:ph type="ctrTitle"/>
-          </p:nvPr>
-        </p:nvSpPr>
+      <p:pic>
+        <p:nvPicPr>
+          <p:cNvPr id="4" name="Рисунок 3">
+            <a:extLst>
+              <a:ext uri="{FF2B5EF4-FFF2-40B4-BE49-F238E27FC236}">
+                <a16:creationId xmlns:a16="http://schemas.microsoft.com/office/drawing/2014/main" id="{48071B7E-5066-4491-8A37-372F6C11C772}"/>
+              </a:ext>
+            </a:extLst>
+          </p:cNvPr>
+          <p:cNvPicPr>
+            <a:picLocks noChangeAspect="1"/>
+          </p:cNvPicPr>
+          <p:nvPr/>
+        </p:nvPicPr>
+        <p:blipFill>
+          <a:blip r:embed="rId3">
+            <a:extLst>
+              <a:ext uri="{28A0092B-C50C-407E-A947-70E740481C1C}">
+                <a14:useLocalDpi xmlns:a14="http://schemas.microsoft.com/office/drawing/2010/main" val="0"/>
+              </a:ext>
+            </a:extLst>
+          </a:blip>
+          <a:stretch>
+            <a:fillRect/>
+          </a:stretch>
+        </p:blipFill>
         <p:spPr>
           <a:xfrm>
-            <a:off x="1524000" y="1122363"/>
-            <a:ext cx="9144000" cy="2387600"/>
+            <a:off x="-10278" y="-387424"/>
+            <a:ext cx="12212556" cy="7632848"/>
+          </a:xfrm>
+          <a:prstGeom prst="rect">
+            <a:avLst/>
+          </a:prstGeom>
+        </p:spPr>
+      </p:pic>
+      <p:sp>
+        <p:nvSpPr>
+          <p:cNvPr id="2050" name="Rectangle 2">
+            <a:extLst>
+              <a:ext uri="{FF2B5EF4-FFF2-40B4-BE49-F238E27FC236}">
+                <a16:creationId xmlns:a16="http://schemas.microsoft.com/office/drawing/2014/main" id="{1E293DF1-30F8-6F4B-1FEF-995B183B480F}"/>
+              </a:ext>
+            </a:extLst>
+          </p:cNvPr>
+          <p:cNvSpPr>
+            <a:spLocks noGrp="1" noChangeArrowheads="1"/>
+          </p:cNvSpPr>
+          <p:nvPr>
+            <p:ph type="ctrTitle"/>
+          </p:nvPr>
+        </p:nvSpPr>
+        <p:spPr>
+          <a:xfrm>
+            <a:off x="551384" y="260649"/>
+            <a:ext cx="11017224" cy="2520280"/>
           </a:xfrm>
           <a:ln>
             <a:miter lim="800000"/>
@@ -28981,27 +29017,88 @@
         </p:spPr>
         <p:txBody>
           <a:bodyPr>
-            <a:normAutofit fontScale="90000"/>
+            <a:noAutofit/>
           </a:bodyPr>
           <a:lstStyle/>
           <a:p>
-            <a:r>
-              <a:rPr lang="ru-RU" dirty="0"/>
+            <a:pPr algn="l"/>
+            <a:r>
+              <a:rPr lang="ru-RU" sz="8800" dirty="0">
+                <a:solidFill>
+                  <a:schemeClr val="bg1"/>
+                </a:solidFill>
+                <a:effectLst>
+                  <a:outerShdw blurRad="63500" sx="102000" sy="102000" algn="ctr" rotWithShape="0">
+                    <a:prstClr val="black">
+                      <a:alpha val="40000"/>
+                    </a:prstClr>
+                  </a:outerShdw>
+                </a:effectLst>
+                <a:latin typeface="Impact" panose="020B0806030902050204" pitchFamily="34" charset="0"/>
+              </a:rPr>
               <a:t>Программирование</a:t>
             </a:r>
             <a:r>
-              <a:rPr lang="en-US" dirty="0"/>
+              <a:rPr lang="en-US" sz="8800" dirty="0">
+                <a:solidFill>
+                  <a:schemeClr val="bg1"/>
+                </a:solidFill>
+                <a:effectLst>
+                  <a:outerShdw blurRad="63500" sx="102000" sy="102000" algn="ctr" rotWithShape="0">
+                    <a:prstClr val="black">
+                      <a:alpha val="40000"/>
+                    </a:prstClr>
+                  </a:outerShdw>
+                </a:effectLst>
+                <a:latin typeface="Impact" panose="020B0806030902050204" pitchFamily="34" charset="0"/>
+              </a:rPr>
               <a:t> 2D</a:t>
             </a:r>
             <a:r>
-              <a:rPr lang="ru-RU" dirty="0"/>
-              <a:t> компьютерной графики в </a:t>
-            </a:r>
-            <a:r>
-              <a:rPr lang="en-US" dirty="0"/>
+              <a:rPr lang="ru-RU" sz="8800" dirty="0">
+                <a:solidFill>
+                  <a:schemeClr val="bg1"/>
+                </a:solidFill>
+                <a:effectLst>
+                  <a:outerShdw blurRad="63500" sx="102000" sy="102000" algn="ctr" rotWithShape="0">
+                    <a:prstClr val="black">
+                      <a:alpha val="40000"/>
+                    </a:prstClr>
+                  </a:outerShdw>
+                </a:effectLst>
+                <a:latin typeface="Impact" panose="020B0806030902050204" pitchFamily="34" charset="0"/>
+              </a:rPr>
+              <a:t> графики в </a:t>
+            </a:r>
+            <a:r>
+              <a:rPr lang="en-US" sz="8800" dirty="0">
+                <a:solidFill>
+                  <a:schemeClr val="bg1"/>
+                </a:solidFill>
+                <a:effectLst>
+                  <a:outerShdw blurRad="63500" sx="102000" sy="102000" algn="ctr" rotWithShape="0">
+                    <a:prstClr val="black">
+                      <a:alpha val="40000"/>
+                    </a:prstClr>
+                  </a:outerShdw>
+                </a:effectLst>
+                <a:latin typeface="Impact" panose="020B0806030902050204" pitchFamily="34" charset="0"/>
+              </a:rPr>
               <a:t>Windows</a:t>
             </a:r>
-            <a:endParaRPr lang="ru-RU" dirty="0"/>
+            <a:endParaRPr lang="ru-RU" sz="8800" dirty="0">
+              <a:solidFill>
+                <a:schemeClr val="bg1"/>
+              </a:solidFill>
+              <a:effectLst>
+                <a:outerShdw blurRad="63500" sx="102000" sy="102000" algn="ctr" rotWithShape="0">
+                  <a:prstClr val="black">
+                    <a:alpha val="40000"/>
+                  </a:prstClr>
+                </a:outerShdw>
+              </a:effectLst>
+              <a:latin typeface="Impact" panose="020B0806030902050204" pitchFamily="34" charset="0"/>
+            </a:endParaRPr>
           </a:p>
         </p:txBody>
       </p:sp>
@@ -29021,12 +29118,80 @@
             <p:ph type="subTitle" idx="1"/>
           </p:nvPr>
         </p:nvSpPr>
-        <p:spPr/>
+        <p:spPr>
+          <a:xfrm>
+            <a:off x="551384" y="3068960"/>
+            <a:ext cx="10116616" cy="2188840"/>
+          </a:xfrm>
+        </p:spPr>
         <p:txBody>
-          <a:bodyPr/>
+          <a:bodyPr>
+            <a:normAutofit/>
+          </a:bodyPr>
           <a:lstStyle/>
           <a:p>
-            <a:endParaRPr lang="ru-RU"/>
+            <a:pPr algn="l"/>
+            <a:r>
+              <a:rPr lang="en-US" sz="8800" dirty="0">
+                <a:solidFill>
+                  <a:schemeClr val="bg1"/>
+                </a:solidFill>
+                <a:effectLst>
+                  <a:outerShdw blurRad="63500" sx="102000" sy="102000" algn="ctr" rotWithShape="0">
+                    <a:prstClr val="black">
+                      <a:alpha val="40000"/>
+                    </a:prstClr>
+                  </a:outerShdw>
+                </a:effectLst>
+                <a:latin typeface="Impact" panose="020B0806030902050204" pitchFamily="34" charset="0"/>
+              </a:rPr>
+              <a:t>GDI </a:t>
+            </a:r>
+            <a:r>
+              <a:rPr lang="ru-RU" sz="8800" dirty="0">
+                <a:solidFill>
+                  <a:schemeClr val="bg1"/>
+                </a:solidFill>
+                <a:effectLst>
+                  <a:outerShdw blurRad="63500" sx="102000" sy="102000" algn="ctr" rotWithShape="0">
+                    <a:prstClr val="black">
+                      <a:alpha val="40000"/>
+                    </a:prstClr>
+                  </a:outerShdw>
+                </a:effectLst>
+                <a:latin typeface="Impact" panose="020B0806030902050204" pitchFamily="34" charset="0"/>
+              </a:rPr>
+              <a:t>и </a:t>
+            </a:r>
+            <a:r>
+              <a:rPr lang="en-US" sz="8800" dirty="0">
+                <a:solidFill>
+                  <a:schemeClr val="bg1"/>
+                </a:solidFill>
+                <a:effectLst>
+                  <a:outerShdw blurRad="63500" sx="102000" sy="102000" algn="ctr" rotWithShape="0">
+                    <a:prstClr val="black">
+                      <a:alpha val="40000"/>
+                    </a:prstClr>
+                  </a:outerShdw>
+                </a:effectLst>
+                <a:latin typeface="Impact" panose="020B0806030902050204" pitchFamily="34" charset="0"/>
+              </a:rPr>
+              <a:t>GDI+</a:t>
+            </a:r>
+            <a:endParaRPr lang="ru-RU" sz="8800" dirty="0">
+              <a:solidFill>
+                <a:schemeClr val="bg1"/>
+              </a:solidFill>
+              <a:effectLst>
+                <a:outerShdw blurRad="63500" sx="102000" sy="102000" algn="ctr" rotWithShape="0">
+                  <a:prstClr val="black">
+                    <a:alpha val="40000"/>
+                  </a:prstClr>
+                </a:outerShdw>
+              </a:effectLst>
+              <a:latin typeface="Impact" panose="020B0806030902050204" pitchFamily="34" charset="0"/>
+            </a:endParaRPr>
           </a:p>
         </p:txBody>
       </p:sp>
@@ -35157,12 +35322,12 @@
           <a:graphicData uri="http://schemas.openxmlformats.org/presentationml/2006/ole">
             <mc:AlternateContent xmlns:mc="http://schemas.openxmlformats.org/markup-compatibility/2006">
               <mc:Choice xmlns:v="urn:schemas-microsoft-com:vml" Requires="v">
-                <p:oleObj name="Image" r:id="rId3" imgW="3898413" imgH="2920635" progId="Photoshop.Image.8">
+                <p:oleObj spid="_x0000_s1027" name="Image" r:id="rId4" imgW="3898413" imgH="2920635" progId="Photoshop.Image.8">
                   <p:embed/>
                 </p:oleObj>
               </mc:Choice>
               <mc:Fallback>
-                <p:oleObj name="Image" r:id="rId3" imgW="3898413" imgH="2920635" progId="Photoshop.Image.8">
+                <p:oleObj name="Image" r:id="rId4" imgW="3898413" imgH="2920635" progId="Photoshop.Image.8">
                   <p:embed/>
                   <p:pic>
                     <p:nvPicPr>
@@ -35179,7 +35344,7 @@
                       <p:nvPr/>
                     </p:nvPicPr>
                     <p:blipFill>
-                      <a:blip r:embed="rId4">
+                      <a:blip r:embed="rId5">
                         <a:extLst>
                           <a:ext uri="{28A0092B-C50C-407E-A947-70E740481C1C}">
                             <a14:useLocalDpi xmlns:a14="http://schemas.microsoft.com/office/drawing/2010/main" val="0"/>
@@ -35255,7 +35420,7 @@
           <p:nvPr/>
         </p:nvPicPr>
         <p:blipFill>
-          <a:blip r:embed="rId5">
+          <a:blip r:embed="rId6">
             <a:extLst>
               <a:ext uri="{28A0092B-C50C-407E-A947-70E740481C1C}">
                 <a14:useLocalDpi xmlns:a14="http://schemas.microsoft.com/office/drawing/2010/main" val="0"/>
@@ -35315,7 +35480,7 @@
           <p:nvPr/>
         </p:nvPicPr>
         <p:blipFill>
-          <a:blip r:embed="rId6">
+          <a:blip r:embed="rId7">
             <a:extLst>
               <a:ext uri="{28A0092B-C50C-407E-A947-70E740481C1C}">
                 <a14:useLocalDpi xmlns:a14="http://schemas.microsoft.com/office/drawing/2010/main" val="0"/>
